--- a/Chapter 3.pptx
+++ b/Chapter 3.pptx
@@ -9642,7 +9642,7 @@
           <a:p>
             <a:r>
               <a:rPr lang="en-US" dirty="0"/>
-              <a:t>Types of Change Management</a:t>
+              <a:t>Types of Change Management  (ARIES)</a:t>
             </a:r>
           </a:p>
         </p:txBody>
